--- a/DA_T3_230919.pptx
+++ b/DA_T3_230919.pptx
@@ -6749,10 +6749,10 @@
       </p:sp>
       <p:pic>
         <p:nvPicPr>
-          <p:cNvPr id="7" name="그림 6">
+          <p:cNvPr id="8" name="그림 7">
             <a:extLst>
               <a:ext uri="{FF2B5EF4-FFF2-40B4-BE49-F238E27FC236}">
-                <a16:creationId xmlns:a16="http://schemas.microsoft.com/office/drawing/2014/main" id="{E7F4CAC3-F199-05F6-51D9-3695A39D7419}"/>
+                <a16:creationId xmlns:a16="http://schemas.microsoft.com/office/drawing/2014/main" id="{8DAC94F5-284F-19B5-7EFB-800B7376494E}"/>
               </a:ext>
             </a:extLst>
           </p:cNvPr>
@@ -6769,68 +6769,8 @@
         </p:blipFill>
         <p:spPr>
           <a:xfrm>
-            <a:off x="3829386" y="1302400"/>
-            <a:ext cx="1956280" cy="3310218"/>
-          </a:xfrm>
-          <a:prstGeom prst="rect">
-            <a:avLst/>
-          </a:prstGeom>
-        </p:spPr>
-      </p:pic>
-      <p:pic>
-        <p:nvPicPr>
-          <p:cNvPr id="8" name="그림 7">
-            <a:extLst>
-              <a:ext uri="{FF2B5EF4-FFF2-40B4-BE49-F238E27FC236}">
-                <a16:creationId xmlns:a16="http://schemas.microsoft.com/office/drawing/2014/main" id="{8DAC94F5-284F-19B5-7EFB-800B7376494E}"/>
-              </a:ext>
-            </a:extLst>
-          </p:cNvPr>
-          <p:cNvPicPr>
-            <a:picLocks noChangeAspect="1"/>
-          </p:cNvPicPr>
-          <p:nvPr/>
-        </p:nvPicPr>
-        <p:blipFill>
-          <a:blip r:embed="rId5"/>
-          <a:stretch>
-            <a:fillRect/>
-          </a:stretch>
-        </p:blipFill>
-        <p:spPr>
-          <a:xfrm>
-            <a:off x="2063363" y="1262100"/>
-            <a:ext cx="1766023" cy="1157726"/>
-          </a:xfrm>
-          <a:prstGeom prst="rect">
-            <a:avLst/>
-          </a:prstGeom>
-        </p:spPr>
-      </p:pic>
-      <p:pic>
-        <p:nvPicPr>
-          <p:cNvPr id="9" name="그림 8">
-            <a:extLst>
-              <a:ext uri="{FF2B5EF4-FFF2-40B4-BE49-F238E27FC236}">
-                <a16:creationId xmlns:a16="http://schemas.microsoft.com/office/drawing/2014/main" id="{FE2B670D-F4BD-11DA-F94A-A983531E6926}"/>
-              </a:ext>
-            </a:extLst>
-          </p:cNvPr>
-          <p:cNvPicPr>
-            <a:picLocks noChangeAspect="1"/>
-          </p:cNvPicPr>
-          <p:nvPr/>
-        </p:nvPicPr>
-        <p:blipFill>
-          <a:blip r:embed="rId6"/>
-          <a:stretch>
-            <a:fillRect/>
-          </a:stretch>
-        </p:blipFill>
-        <p:spPr>
-          <a:xfrm>
-            <a:off x="1762204" y="2414285"/>
-            <a:ext cx="2067182" cy="2198333"/>
+            <a:off x="1693761" y="1625977"/>
+            <a:ext cx="4098578" cy="2686845"/>
           </a:xfrm>
           <a:prstGeom prst="rect">
             <a:avLst/>
